--- a/Content/Machine Learning/Machine Learning.pptx
+++ b/Content/Machine Learning/Machine Learning.pptx
@@ -2812,7 +2812,7 @@
           <a:p>
             <a:fld id="{2E5CA586-3557-4985-BCD4-35EF5AC8B4A4}" type="datetimeFigureOut">
               <a:rPr lang="en-US" smtClean="0"/>
-              <a:t>9/13/15</a:t>
+              <a:t>10/11/15</a:t>
             </a:fld>
             <a:endParaRPr lang="en-US"/>
           </a:p>
@@ -15191,6 +15191,64 @@
           </a:p>
         </p:txBody>
       </p:sp>
+      <p:sp>
+        <p:nvSpPr>
+          <p:cNvPr id="19" name="Rounded Rectangle 18"/>
+          <p:cNvSpPr/>
+          <p:nvPr/>
+        </p:nvSpPr>
+        <p:spPr>
+          <a:xfrm>
+            <a:off x="4427762" y="951680"/>
+            <a:ext cx="5596934" cy="1577028"/>
+          </a:xfrm>
+          <a:prstGeom prst="roundRect">
+            <a:avLst/>
+          </a:prstGeom>
+          <a:noFill/>
+          <a:ln w="57150">
+            <a:solidFill>
+              <a:srgbClr val="7030A0"/>
+            </a:solidFill>
+          </a:ln>
+        </p:spPr>
+        <p:style>
+          <a:lnRef idx="2">
+            <a:schemeClr val="accent1">
+              <a:shade val="50000"/>
+            </a:schemeClr>
+          </a:lnRef>
+          <a:fillRef idx="1">
+            <a:schemeClr val="accent1"/>
+          </a:fillRef>
+          <a:effectRef idx="0">
+            <a:schemeClr val="accent1"/>
+          </a:effectRef>
+          <a:fontRef idx="minor">
+            <a:schemeClr val="lt1"/>
+          </a:fontRef>
+        </p:style>
+        <p:txBody>
+          <a:bodyPr rtlCol="0" anchor="t" anchorCtr="0"/>
+          <a:lstStyle/>
+          <a:p>
+            <a:pPr algn="ctr"/>
+            <a:r>
+              <a:rPr lang="en-US" sz="2000" dirty="0" smtClean="0">
+                <a:solidFill>
+                  <a:srgbClr val="7030A0"/>
+                </a:solidFill>
+              </a:rPr>
+              <a:t>Score</a:t>
+            </a:r>
+            <a:endParaRPr lang="en-US" sz="2000" dirty="0">
+              <a:solidFill>
+                <a:srgbClr val="7030A0"/>
+              </a:solidFill>
+            </a:endParaRPr>
+          </a:p>
+        </p:txBody>
+      </p:sp>
     </p:spTree>
     <p:extLst>
       <p:ext uri="{BB962C8B-B14F-4D97-AF65-F5344CB8AC3E}">
@@ -15390,7 +15448,7 @@
                             </p:stCondLst>
                             <p:childTnLst>
                               <p:par>
-                                <p:cTn id="19" presetID="1" presetClass="entr" presetSubtype="0" fill="hold" nodeType="clickEffect">
+                                <p:cTn id="19" presetID="2" presetClass="entr" presetSubtype="8" fill="hold" grpId="0" nodeType="clickEffect">
                                   <p:stCondLst>
                                     <p:cond delay="0"/>
                                   </p:stCondLst>
@@ -15398,6 +15456,97 @@
                                     <p:set>
                                       <p:cBhvr>
                                         <p:cTn id="20" dur="1" fill="hold">
+                                          <p:stCondLst>
+                                            <p:cond delay="0"/>
+                                          </p:stCondLst>
+                                        </p:cTn>
+                                        <p:tgtEl>
+                                          <p:spTgt spid="19"/>
+                                        </p:tgtEl>
+                                        <p:attrNameLst>
+                                          <p:attrName>style.visibility</p:attrName>
+                                        </p:attrNameLst>
+                                      </p:cBhvr>
+                                      <p:to>
+                                        <p:strVal val="visible"/>
+                                      </p:to>
+                                    </p:set>
+                                    <p:anim calcmode="lin" valueType="num">
+                                      <p:cBhvr additive="base">
+                                        <p:cTn id="21" dur="500" fill="hold"/>
+                                        <p:tgtEl>
+                                          <p:spTgt spid="19"/>
+                                        </p:tgtEl>
+                                        <p:attrNameLst>
+                                          <p:attrName>ppt_x</p:attrName>
+                                        </p:attrNameLst>
+                                      </p:cBhvr>
+                                      <p:tavLst>
+                                        <p:tav tm="0">
+                                          <p:val>
+                                            <p:strVal val="0-#ppt_w/2"/>
+                                          </p:val>
+                                        </p:tav>
+                                        <p:tav tm="100000">
+                                          <p:val>
+                                            <p:strVal val="#ppt_x"/>
+                                          </p:val>
+                                        </p:tav>
+                                      </p:tavLst>
+                                    </p:anim>
+                                    <p:anim calcmode="lin" valueType="num">
+                                      <p:cBhvr additive="base">
+                                        <p:cTn id="22" dur="500" fill="hold"/>
+                                        <p:tgtEl>
+                                          <p:spTgt spid="19"/>
+                                        </p:tgtEl>
+                                        <p:attrNameLst>
+                                          <p:attrName>ppt_y</p:attrName>
+                                        </p:attrNameLst>
+                                      </p:cBhvr>
+                                      <p:tavLst>
+                                        <p:tav tm="0">
+                                          <p:val>
+                                            <p:strVal val="#ppt_y"/>
+                                          </p:val>
+                                        </p:tav>
+                                        <p:tav tm="100000">
+                                          <p:val>
+                                            <p:strVal val="#ppt_y"/>
+                                          </p:val>
+                                        </p:tav>
+                                      </p:tavLst>
+                                    </p:anim>
+                                  </p:childTnLst>
+                                </p:cTn>
+                              </p:par>
+                            </p:childTnLst>
+                          </p:cTn>
+                        </p:par>
+                      </p:childTnLst>
+                    </p:cTn>
+                  </p:par>
+                  <p:par>
+                    <p:cTn id="23" fill="hold">
+                      <p:stCondLst>
+                        <p:cond delay="indefinite"/>
+                      </p:stCondLst>
+                      <p:childTnLst>
+                        <p:par>
+                          <p:cTn id="24" fill="hold">
+                            <p:stCondLst>
+                              <p:cond delay="0"/>
+                            </p:stCondLst>
+                            <p:childTnLst>
+                              <p:par>
+                                <p:cTn id="25" presetID="1" presetClass="entr" presetSubtype="0" fill="hold" nodeType="clickEffect">
+                                  <p:stCondLst>
+                                    <p:cond delay="0"/>
+                                  </p:stCondLst>
+                                  <p:childTnLst>
+                                    <p:set>
+                                      <p:cBhvr>
+                                        <p:cTn id="26" dur="1" fill="hold">
                                           <p:stCondLst>
                                             <p:cond delay="0"/>
                                           </p:stCondLst>
@@ -15423,26 +15572,26 @@
                     </p:cTn>
                   </p:par>
                   <p:par>
-                    <p:cTn id="21" fill="hold">
+                    <p:cTn id="27" fill="hold">
                       <p:stCondLst>
                         <p:cond delay="indefinite"/>
                       </p:stCondLst>
                       <p:childTnLst>
                         <p:par>
-                          <p:cTn id="22" fill="hold">
+                          <p:cTn id="28" fill="hold">
                             <p:stCondLst>
                               <p:cond delay="0"/>
                             </p:stCondLst>
                             <p:childTnLst>
                               <p:par>
-                                <p:cTn id="23" presetID="1" presetClass="entr" presetSubtype="0" fill="hold" grpId="0" nodeType="clickEffect">
+                                <p:cTn id="29" presetID="1" presetClass="entr" presetSubtype="0" fill="hold" grpId="0" nodeType="clickEffect">
                                   <p:stCondLst>
                                     <p:cond delay="0"/>
                                   </p:stCondLst>
                                   <p:childTnLst>
                                     <p:set>
                                       <p:cBhvr>
-                                        <p:cTn id="24" dur="1" fill="hold">
+                                        <p:cTn id="30" dur="1" fill="hold">
                                           <p:stCondLst>
                                             <p:cond delay="0"/>
                                           </p:stCondLst>
@@ -15468,26 +15617,26 @@
                     </p:cTn>
                   </p:par>
                   <p:par>
-                    <p:cTn id="25" fill="hold">
+                    <p:cTn id="31" fill="hold">
                       <p:stCondLst>
                         <p:cond delay="indefinite"/>
                       </p:stCondLst>
                       <p:childTnLst>
                         <p:par>
-                          <p:cTn id="26" fill="hold">
+                          <p:cTn id="32" fill="hold">
                             <p:stCondLst>
                               <p:cond delay="0"/>
                             </p:stCondLst>
                             <p:childTnLst>
                               <p:par>
-                                <p:cTn id="27" presetID="1" presetClass="entr" presetSubtype="0" fill="hold" grpId="0" nodeType="clickEffect">
+                                <p:cTn id="33" presetID="1" presetClass="entr" presetSubtype="0" fill="hold" grpId="0" nodeType="clickEffect">
                                   <p:stCondLst>
                                     <p:cond delay="0"/>
                                   </p:stCondLst>
                                   <p:childTnLst>
                                     <p:set>
                                       <p:cBhvr>
-                                        <p:cTn id="28" dur="1" fill="hold">
+                                        <p:cTn id="34" dur="1" fill="hold">
                                           <p:stCondLst>
                                             <p:cond delay="0"/>
                                           </p:stCondLst>
@@ -15513,26 +15662,26 @@
                     </p:cTn>
                   </p:par>
                   <p:par>
-                    <p:cTn id="29" fill="hold">
+                    <p:cTn id="35" fill="hold">
                       <p:stCondLst>
                         <p:cond delay="indefinite"/>
                       </p:stCondLst>
                       <p:childTnLst>
                         <p:par>
-                          <p:cTn id="30" fill="hold">
+                          <p:cTn id="36" fill="hold">
                             <p:stCondLst>
                               <p:cond delay="0"/>
                             </p:stCondLst>
                             <p:childTnLst>
                               <p:par>
-                                <p:cTn id="31" presetID="1" presetClass="entr" presetSubtype="0" fill="hold" grpId="0" nodeType="clickEffect">
+                                <p:cTn id="37" presetID="1" presetClass="entr" presetSubtype="0" fill="hold" grpId="0" nodeType="clickEffect">
                                   <p:stCondLst>
                                     <p:cond delay="0"/>
                                   </p:stCondLst>
                                   <p:childTnLst>
                                     <p:set>
                                       <p:cBhvr>
-                                        <p:cTn id="32" dur="1" fill="hold">
+                                        <p:cTn id="38" dur="1" fill="hold">
                                           <p:stCondLst>
                                             <p:cond delay="0"/>
                                           </p:stCondLst>
@@ -15558,26 +15707,26 @@
                     </p:cTn>
                   </p:par>
                   <p:par>
-                    <p:cTn id="33" fill="hold">
+                    <p:cTn id="39" fill="hold">
                       <p:stCondLst>
                         <p:cond delay="indefinite"/>
                       </p:stCondLst>
                       <p:childTnLst>
                         <p:par>
-                          <p:cTn id="34" fill="hold">
+                          <p:cTn id="40" fill="hold">
                             <p:stCondLst>
                               <p:cond delay="0"/>
                             </p:stCondLst>
                             <p:childTnLst>
                               <p:par>
-                                <p:cTn id="35" presetID="1" presetClass="entr" presetSubtype="0" fill="hold" grpId="0" nodeType="clickEffect">
+                                <p:cTn id="41" presetID="1" presetClass="entr" presetSubtype="0" fill="hold" grpId="0" nodeType="clickEffect">
                                   <p:stCondLst>
                                     <p:cond delay="0"/>
                                   </p:stCondLst>
                                   <p:childTnLst>
                                     <p:set>
                                       <p:cBhvr>
-                                        <p:cTn id="36" dur="1" fill="hold">
+                                        <p:cTn id="42" dur="1" fill="hold">
                                           <p:stCondLst>
                                             <p:cond delay="0"/>
                                           </p:stCondLst>
@@ -15603,26 +15752,26 @@
                     </p:cTn>
                   </p:par>
                   <p:par>
-                    <p:cTn id="37" fill="hold">
+                    <p:cTn id="43" fill="hold">
                       <p:stCondLst>
                         <p:cond delay="indefinite"/>
                       </p:stCondLst>
                       <p:childTnLst>
                         <p:par>
-                          <p:cTn id="38" fill="hold">
+                          <p:cTn id="44" fill="hold">
                             <p:stCondLst>
                               <p:cond delay="0"/>
                             </p:stCondLst>
                             <p:childTnLst>
                               <p:par>
-                                <p:cTn id="39" presetID="2" presetClass="entr" presetSubtype="8" fill="hold" grpId="0" nodeType="clickEffect">
+                                <p:cTn id="45" presetID="2" presetClass="entr" presetSubtype="8" fill="hold" grpId="0" nodeType="clickEffect">
                                   <p:stCondLst>
                                     <p:cond delay="0"/>
                                   </p:stCondLst>
                                   <p:childTnLst>
                                     <p:set>
                                       <p:cBhvr>
-                                        <p:cTn id="40" dur="1" fill="hold">
+                                        <p:cTn id="46" dur="1" fill="hold">
                                           <p:stCondLst>
                                             <p:cond delay="0"/>
                                           </p:stCondLst>
@@ -15640,7 +15789,7 @@
                                     </p:set>
                                     <p:anim calcmode="lin" valueType="num">
                                       <p:cBhvr additive="base">
-                                        <p:cTn id="41" dur="500" fill="hold"/>
+                                        <p:cTn id="47" dur="500" fill="hold"/>
                                         <p:tgtEl>
                                           <p:spTgt spid="15"/>
                                         </p:tgtEl>
@@ -15663,7 +15812,7 @@
                                     </p:anim>
                                     <p:anim calcmode="lin" valueType="num">
                                       <p:cBhvr additive="base">
-                                        <p:cTn id="42" dur="500" fill="hold"/>
+                                        <p:cTn id="48" dur="500" fill="hold"/>
                                         <p:tgtEl>
                                           <p:spTgt spid="15"/>
                                         </p:tgtEl>
@@ -15694,26 +15843,26 @@
                     </p:cTn>
                   </p:par>
                   <p:par>
-                    <p:cTn id="43" fill="hold">
+                    <p:cTn id="49" fill="hold">
                       <p:stCondLst>
                         <p:cond delay="indefinite"/>
                       </p:stCondLst>
                       <p:childTnLst>
                         <p:par>
-                          <p:cTn id="44" fill="hold">
+                          <p:cTn id="50" fill="hold">
                             <p:stCondLst>
                               <p:cond delay="0"/>
                             </p:stCondLst>
                             <p:childTnLst>
                               <p:par>
-                                <p:cTn id="45" presetID="1" presetClass="exit" presetSubtype="0" fill="hold" grpId="0" nodeType="clickEffect">
+                                <p:cTn id="51" presetID="1" presetClass="exit" presetSubtype="0" fill="hold" grpId="0" nodeType="clickEffect">
                                   <p:stCondLst>
                                     <p:cond delay="0"/>
                                   </p:stCondLst>
                                   <p:childTnLst>
                                     <p:set>
                                       <p:cBhvr>
-                                        <p:cTn id="46" dur="1" fill="hold">
+                                        <p:cTn id="52" dur="1" fill="hold">
                                           <p:stCondLst>
                                             <p:cond delay="0"/>
                                           </p:stCondLst>
@@ -15769,6 +15918,7 @@
       <p:bldP spid="15" grpId="0" animBg="1"/>
       <p:bldP spid="17" grpId="0" animBg="1"/>
       <p:bldP spid="18" grpId="0" animBg="1"/>
+      <p:bldP spid="19" grpId="0" animBg="1"/>
     </p:bldLst>
   </p:timing>
 </p:sld>
@@ -15926,6 +16076,13 @@
   <p:transition>
     <p:fade/>
   </p:transition>
+  <p:timing>
+    <p:tnLst>
+      <p:par>
+        <p:cTn id="1" dur="indefinite" restart="never" nodeType="tmRoot"/>
+      </p:par>
+    </p:tnLst>
+  </p:timing>
 </p:sld>
 </file>
 
@@ -15998,12 +16155,8 @@
           <a:p>
             <a:pPr lvl="1"/>
             <a:r>
-              <a:rPr lang="en-US" sz="2000" dirty="0" err="1" smtClean="0"/>
-              <a:t>Baysian</a:t>
-            </a:r>
-            <a:r>
               <a:rPr lang="en-US" sz="2000" dirty="0" smtClean="0"/>
-              <a:t> </a:t>
+              <a:t>Bayesian </a:t>
             </a:r>
             <a:r>
               <a:rPr lang="en-US" sz="2000" dirty="0"/>
@@ -16051,8 +16204,8 @@
               <a:t>Fast </a:t>
             </a:r>
             <a:r>
-              <a:rPr lang="en-US" sz="2000" dirty="0"/>
-              <a:t>Forrest </a:t>
+              <a:rPr lang="en-US" sz="2000" dirty="0" smtClean="0"/>
+              <a:t>Forest </a:t>
             </a:r>
             <a:r>
               <a:rPr lang="en-US" sz="2000" dirty="0" err="1"/>
@@ -16378,6 +16531,13 @@
   <p:transition>
     <p:fade/>
   </p:transition>
+  <p:timing>
+    <p:tnLst>
+      <p:par>
+        <p:cTn id="1" dur="indefinite" restart="never" nodeType="tmRoot"/>
+      </p:par>
+    </p:tnLst>
+  </p:timing>
 </p:sld>
 </file>
 
@@ -16415,7 +16575,11 @@
           <a:p>
             <a:r>
               <a:rPr lang="en-US" dirty="0" smtClean="0"/>
-              <a:t>Samples of Algorithms Available</a:t>
+              <a:t>Modules and Analysis </a:t>
+            </a:r>
+            <a:r>
+              <a:rPr lang="en-US" dirty="0" err="1" smtClean="0"/>
+              <a:t>Availible</a:t>
             </a:r>
             <a:endParaRPr lang="en-US" dirty="0"/>
           </a:p>

--- a/Content/Machine Learning/Machine Learning.pptx
+++ b/Content/Machine Learning/Machine Learning.pptx
@@ -2812,7 +2812,7 @@
           <a:p>
             <a:fld id="{2E5CA586-3557-4985-BCD4-35EF5AC8B4A4}" type="datetimeFigureOut">
               <a:rPr lang="en-US" smtClean="0"/>
-              <a:t>10/11/15</a:t>
+              <a:t>1/4/16</a:t>
             </a:fld>
             <a:endParaRPr lang="en-US"/>
           </a:p>
@@ -9400,7 +9400,7 @@
                 </a:gradFill>
                 <a:cs typeface="Segoe UI" pitchFamily="34" charset="0"/>
               </a:rPr>
-              <a:t>5</a:t>
+              <a:t>6</a:t>
             </a:r>
             <a:r>
               <a:rPr lang="en-US" sz="700" dirty="0" smtClean="0">
@@ -16201,11 +16201,7 @@
             <a:pPr lvl="1"/>
             <a:r>
               <a:rPr lang="en-US" sz="2000" dirty="0" smtClean="0"/>
-              <a:t>Fast </a:t>
-            </a:r>
-            <a:r>
-              <a:rPr lang="en-US" sz="2000" dirty="0" smtClean="0"/>
-              <a:t>Forest </a:t>
+              <a:t>Fast Forest </a:t>
             </a:r>
             <a:r>
               <a:rPr lang="en-US" sz="2000" dirty="0" err="1"/>

--- a/Content/Machine Learning/Machine Learning.pptx
+++ b/Content/Machine Learning/Machine Learning.pptx
@@ -9,13 +9,13 @@
   </p:notesMasterIdLst>
   <p:sldIdLst>
     <p:sldId id="256" r:id="rId2"/>
-    <p:sldId id="257" r:id="rId3"/>
+    <p:sldId id="268" r:id="rId3"/>
     <p:sldId id="260" r:id="rId4"/>
     <p:sldId id="261" r:id="rId5"/>
     <p:sldId id="262" r:id="rId6"/>
-    <p:sldId id="263" r:id="rId7"/>
-    <p:sldId id="264" r:id="rId8"/>
-    <p:sldId id="265" r:id="rId9"/>
+    <p:sldId id="272" r:id="rId7"/>
+    <p:sldId id="274" r:id="rId8"/>
+    <p:sldId id="269" r:id="rId9"/>
     <p:sldId id="266" r:id="rId10"/>
     <p:sldId id="267" r:id="rId11"/>
   </p:sldIdLst>
@@ -1257,8 +1257,8 @@
       </dsp:nvSpPr>
       <dsp:spPr>
         <a:xfrm>
-          <a:off x="2364" y="1491734"/>
-          <a:ext cx="2256843" cy="1367869"/>
+          <a:off x="2153" y="1491734"/>
+          <a:ext cx="2275828" cy="1367869"/>
         </a:xfrm>
         <a:prstGeom prst="roundRect">
           <a:avLst/>
@@ -1294,12 +1294,12 @@
         </a:fontRef>
       </dsp:style>
       <dsp:txBody>
-        <a:bodyPr spcFirstLastPara="0" vert="horz" wrap="square" lIns="129540" tIns="129540" rIns="129540" bIns="129540" numCol="1" spcCol="1270" anchor="ctr" anchorCtr="0">
+        <a:bodyPr spcFirstLastPara="0" vert="horz" wrap="square" lIns="121920" tIns="121920" rIns="121920" bIns="121920" numCol="1" spcCol="1270" anchor="ctr" anchorCtr="0">
           <a:noAutofit/>
         </a:bodyPr>
         <a:lstStyle/>
         <a:p>
-          <a:pPr lvl="0" algn="ctr" defTabSz="1511300">
+          <a:pPr lvl="0" algn="ctr" defTabSz="1422400">
             <a:lnSpc>
               <a:spcPct val="90000"/>
             </a:lnSpc>
@@ -1311,15 +1311,15 @@
             </a:spcAft>
           </a:pPr>
           <a:r>
-            <a:rPr lang="en-US" sz="3400" kern="1200" dirty="0" smtClean="0"/>
+            <a:rPr lang="en-US" sz="3200" kern="1200" dirty="0" smtClean="0"/>
             <a:t>Train -&gt; Score </a:t>
           </a:r>
-          <a:endParaRPr lang="en-US" sz="3400" kern="1200" dirty="0"/>
+          <a:endParaRPr lang="en-US" sz="3200" kern="1200" dirty="0"/>
         </a:p>
       </dsp:txBody>
       <dsp:txXfrm>
-        <a:off x="69138" y="1558508"/>
-        <a:ext cx="2123295" cy="1234321"/>
+        <a:off x="68927" y="1558508"/>
+        <a:ext cx="2142280" cy="1234321"/>
       </dsp:txXfrm>
     </dsp:sp>
     <dsp:sp modelId="{2BA609AF-4FAA-4066-BCE6-B3A2C4BB13C4}">
@@ -1329,8 +1329,8 @@
       </dsp:nvSpPr>
       <dsp:spPr>
         <a:xfrm>
-          <a:off x="2531014" y="1491734"/>
-          <a:ext cx="2551111" cy="1367869"/>
+          <a:off x="2522742" y="1491734"/>
+          <a:ext cx="2572571" cy="1367869"/>
         </a:xfrm>
         <a:prstGeom prst="roundRect">
           <a:avLst/>
@@ -1366,12 +1366,12 @@
         </a:fontRef>
       </dsp:style>
       <dsp:txBody>
-        <a:bodyPr spcFirstLastPara="0" vert="horz" wrap="square" lIns="129540" tIns="129540" rIns="129540" bIns="129540" numCol="1" spcCol="1270" anchor="ctr" anchorCtr="0">
+        <a:bodyPr spcFirstLastPara="0" vert="horz" wrap="square" lIns="121920" tIns="121920" rIns="121920" bIns="121920" numCol="1" spcCol="1270" anchor="ctr" anchorCtr="0">
           <a:noAutofit/>
         </a:bodyPr>
         <a:lstStyle/>
         <a:p>
-          <a:pPr lvl="0" algn="ctr" defTabSz="1511300">
+          <a:pPr lvl="0" algn="ctr" defTabSz="1422400">
             <a:lnSpc>
               <a:spcPct val="90000"/>
             </a:lnSpc>
@@ -1383,15 +1383,15 @@
             </a:spcAft>
           </a:pPr>
           <a:r>
-            <a:rPr lang="en-US" sz="3400" kern="1200" dirty="0" smtClean="0"/>
+            <a:rPr lang="en-US" sz="3200" kern="1200" dirty="0" smtClean="0"/>
             <a:t>Evaluate</a:t>
           </a:r>
-          <a:endParaRPr lang="en-US" sz="3400" kern="1200" dirty="0"/>
+          <a:endParaRPr lang="en-US" sz="3200" kern="1200" dirty="0"/>
         </a:p>
       </dsp:txBody>
       <dsp:txXfrm>
-        <a:off x="2597788" y="1558508"/>
-        <a:ext cx="2417563" cy="1234321"/>
+        <a:off x="2589516" y="1558508"/>
+        <a:ext cx="2439023" cy="1234321"/>
       </dsp:txXfrm>
     </dsp:sp>
     <dsp:sp modelId="{B45AF36C-BB7E-461A-B9C7-DD46458ACAC0}">
@@ -1401,8 +1401,8 @@
       </dsp:nvSpPr>
       <dsp:spPr>
         <a:xfrm>
-          <a:off x="5548403" y="1481099"/>
-          <a:ext cx="2365421" cy="1427952"/>
+          <a:off x="5515194" y="1481099"/>
+          <a:ext cx="2385319" cy="1427952"/>
         </a:xfrm>
         <a:prstGeom prst="roundRect">
           <a:avLst/>
@@ -1438,12 +1438,12 @@
         </a:fontRef>
       </dsp:style>
       <dsp:txBody>
-        <a:bodyPr spcFirstLastPara="0" vert="horz" wrap="square" lIns="129540" tIns="129540" rIns="129540" bIns="129540" numCol="1" spcCol="1270" anchor="ctr" anchorCtr="0">
+        <a:bodyPr spcFirstLastPara="0" vert="horz" wrap="square" lIns="121920" tIns="121920" rIns="121920" bIns="121920" numCol="1" spcCol="1270" anchor="ctr" anchorCtr="0">
           <a:noAutofit/>
         </a:bodyPr>
         <a:lstStyle/>
         <a:p>
-          <a:pPr lvl="0" algn="ctr" defTabSz="1511300">
+          <a:pPr lvl="0" algn="ctr" defTabSz="1422400">
             <a:lnSpc>
               <a:spcPct val="90000"/>
             </a:lnSpc>
@@ -1455,15 +1455,15 @@
             </a:spcAft>
           </a:pPr>
           <a:r>
-            <a:rPr lang="en-US" sz="3400" kern="1200" dirty="0" smtClean="0"/>
+            <a:rPr lang="en-US" sz="3200" kern="1200" dirty="0" smtClean="0"/>
             <a:t>Publish</a:t>
           </a:r>
-          <a:endParaRPr lang="en-US" sz="3400" kern="1200" dirty="0"/>
+          <a:endParaRPr lang="en-US" sz="3200" kern="1200" dirty="0"/>
         </a:p>
       </dsp:txBody>
       <dsp:txXfrm>
-        <a:off x="5618110" y="1550806"/>
-        <a:ext cx="2226007" cy="1288538"/>
+        <a:off x="5584901" y="1550806"/>
+        <a:ext cx="2245905" cy="1288538"/>
       </dsp:txXfrm>
     </dsp:sp>
     <dsp:sp modelId="{1CF1CAB9-6A9A-4B1B-9EFE-EDA9DB8D40D1}">
@@ -1473,8 +1473,8 @@
       </dsp:nvSpPr>
       <dsp:spPr>
         <a:xfrm>
-          <a:off x="7993523" y="1534264"/>
-          <a:ext cx="2522076" cy="1364161"/>
+          <a:off x="7972306" y="1534264"/>
+          <a:ext cx="2543293" cy="1364161"/>
         </a:xfrm>
         <a:prstGeom prst="roundRect">
           <a:avLst/>
@@ -1510,12 +1510,12 @@
         </a:fontRef>
       </dsp:style>
       <dsp:txBody>
-        <a:bodyPr spcFirstLastPara="0" vert="horz" wrap="square" lIns="129540" tIns="129540" rIns="129540" bIns="129540" numCol="1" spcCol="1270" anchor="ctr" anchorCtr="0">
+        <a:bodyPr spcFirstLastPara="0" vert="horz" wrap="square" lIns="121920" tIns="121920" rIns="121920" bIns="121920" numCol="1" spcCol="1270" anchor="ctr" anchorCtr="0">
           <a:noAutofit/>
         </a:bodyPr>
         <a:lstStyle/>
         <a:p>
-          <a:pPr lvl="0" algn="ctr" defTabSz="1511300">
+          <a:pPr lvl="0" algn="ctr" defTabSz="1422400">
             <a:lnSpc>
               <a:spcPct val="90000"/>
             </a:lnSpc>
@@ -1527,15 +1527,15 @@
             </a:spcAft>
           </a:pPr>
           <a:r>
-            <a:rPr lang="en-US" sz="3400" kern="1200" dirty="0" smtClean="0"/>
+            <a:rPr lang="en-US" sz="3200" kern="1200" dirty="0" smtClean="0"/>
             <a:t>Score</a:t>
           </a:r>
-          <a:endParaRPr lang="en-US" sz="3400" kern="1200" dirty="0"/>
+          <a:endParaRPr lang="en-US" sz="3200" kern="1200" dirty="0"/>
         </a:p>
       </dsp:txBody>
       <dsp:txXfrm>
-        <a:off x="8060116" y="1600857"/>
-        <a:ext cx="2388890" cy="1230975"/>
+        <a:off x="8038899" y="1600857"/>
+        <a:ext cx="2410107" cy="1230975"/>
       </dsp:txXfrm>
     </dsp:sp>
   </dsp:spTree>
@@ -2812,7 +2812,7 @@
           <a:p>
             <a:fld id="{2E5CA586-3557-4985-BCD4-35EF5AC8B4A4}" type="datetimeFigureOut">
               <a:rPr lang="en-US" smtClean="0"/>
-              <a:t>1/4/16</a:t>
+              <a:t>1/11/2016</a:t>
             </a:fld>
             <a:endParaRPr lang="en-US"/>
           </a:p>
@@ -3078,6 +3078,199 @@
     </a:lvl9pPr>
   </p:notesStyle>
 </p:notesMaster>
+</file>
+
+<file path=ppt/notesSlides/notesSlide1.xml><?xml version="1.0" encoding="utf-8"?>
+<p:notes xmlns:a="http://schemas.openxmlformats.org/drawingml/2006/main" xmlns:r="http://schemas.openxmlformats.org/officeDocument/2006/relationships" xmlns:p="http://schemas.openxmlformats.org/presentationml/2006/main">
+  <p:cSld>
+    <p:spTree>
+      <p:nvGrpSpPr>
+        <p:cNvPr id="1" name=""/>
+        <p:cNvGrpSpPr/>
+        <p:nvPr/>
+      </p:nvGrpSpPr>
+      <p:grpSpPr>
+        <a:xfrm>
+          <a:off x="0" y="0"/>
+          <a:ext cx="0" cy="0"/>
+          <a:chOff x="0" y="0"/>
+          <a:chExt cx="0" cy="0"/>
+        </a:xfrm>
+      </p:grpSpPr>
+      <p:sp>
+        <p:nvSpPr>
+          <p:cNvPr id="2" name="Slide Image Placeholder 1"/>
+          <p:cNvSpPr>
+            <a:spLocks noGrp="1" noRot="1" noChangeAspect="1"/>
+          </p:cNvSpPr>
+          <p:nvPr>
+            <p:ph type="sldImg"/>
+          </p:nvPr>
+        </p:nvSpPr>
+        <p:spPr/>
+      </p:sp>
+      <p:sp>
+        <p:nvSpPr>
+          <p:cNvPr id="3" name="Notes Placeholder 2"/>
+          <p:cNvSpPr>
+            <a:spLocks noGrp="1"/>
+          </p:cNvSpPr>
+          <p:nvPr>
+            <p:ph type="body" idx="1"/>
+          </p:nvPr>
+        </p:nvSpPr>
+        <p:spPr/>
+        <p:txBody>
+          <a:bodyPr/>
+          <a:lstStyle/>
+          <a:p>
+            <a:pPr marL="0" marR="0" indent="0" algn="l" defTabSz="914400" rtl="0" eaLnBrk="1" fontAlgn="auto" latinLnBrk="0" hangingPunct="1">
+              <a:lnSpc>
+                <a:spcPct val="100000"/>
+              </a:lnSpc>
+              <a:spcBef>
+                <a:spcPts val="0"/>
+              </a:spcBef>
+              <a:spcAft>
+                <a:spcPts val="0"/>
+              </a:spcAft>
+              <a:buClrTx/>
+              <a:buSzTx/>
+              <a:buFontTx/>
+              <a:buNone/>
+              <a:tabLst/>
+              <a:defRPr/>
+            </a:pPr>
+            <a:r>
+              <a:rPr lang="en-US" dirty="0" smtClean="0"/>
+              <a:t>Machine Learning finds patterns in large volumes of data and uses those patterns to perform predictive analysis. Microsoft offers</a:t>
+            </a:r>
+            <a:r>
+              <a:rPr lang="en-US" baseline="0" dirty="0" smtClean="0"/>
+              <a:t> Azure Machine Learning, while Amazon offers Amazon Machine learning and Google offers the Google Prediction API. Software products such as MATLAB support traditional, non-cloud-based ML modeling.</a:t>
+            </a:r>
+            <a:endParaRPr lang="en-US" dirty="0" smtClean="0"/>
+          </a:p>
+        </p:txBody>
+      </p:sp>
+      <p:sp>
+        <p:nvSpPr>
+          <p:cNvPr id="4" name="Slide Number Placeholder 3"/>
+          <p:cNvSpPr>
+            <a:spLocks noGrp="1"/>
+          </p:cNvSpPr>
+          <p:nvPr>
+            <p:ph type="sldNum" sz="quarter" idx="10"/>
+          </p:nvPr>
+        </p:nvSpPr>
+        <p:spPr/>
+        <p:txBody>
+          <a:bodyPr/>
+          <a:lstStyle/>
+          <a:p>
+            <a:fld id="{BC60BE34-BC89-4C98-A56B-79B7A098D024}" type="slidenum">
+              <a:rPr lang="en-US" smtClean="0"/>
+              <a:t>2</a:t>
+            </a:fld>
+            <a:endParaRPr lang="en-US"/>
+          </a:p>
+        </p:txBody>
+      </p:sp>
+    </p:spTree>
+    <p:extLst>
+      <p:ext uri="{BB962C8B-B14F-4D97-AF65-F5344CB8AC3E}">
+        <p14:creationId xmlns:p14="http://schemas.microsoft.com/office/powerpoint/2010/main" val="3556776046"/>
+      </p:ext>
+    </p:extLst>
+  </p:cSld>
+  <p:clrMapOvr>
+    <a:masterClrMapping/>
+  </p:clrMapOvr>
+</p:notes>
+</file>
+
+<file path=ppt/notesSlides/notesSlide2.xml><?xml version="1.0" encoding="utf-8"?>
+<p:notes xmlns:a="http://schemas.openxmlformats.org/drawingml/2006/main" xmlns:r="http://schemas.openxmlformats.org/officeDocument/2006/relationships" xmlns:p="http://schemas.openxmlformats.org/presentationml/2006/main">
+  <p:cSld>
+    <p:spTree>
+      <p:nvGrpSpPr>
+        <p:cNvPr id="1" name=""/>
+        <p:cNvGrpSpPr/>
+        <p:nvPr/>
+      </p:nvGrpSpPr>
+      <p:grpSpPr>
+        <a:xfrm>
+          <a:off x="0" y="0"/>
+          <a:ext cx="0" cy="0"/>
+          <a:chOff x="0" y="0"/>
+          <a:chExt cx="0" cy="0"/>
+        </a:xfrm>
+      </p:grpSpPr>
+      <p:sp>
+        <p:nvSpPr>
+          <p:cNvPr id="2" name="Slide Image Placeholder 1"/>
+          <p:cNvSpPr>
+            <a:spLocks noGrp="1" noRot="1" noChangeAspect="1"/>
+          </p:cNvSpPr>
+          <p:nvPr>
+            <p:ph type="sldImg"/>
+          </p:nvPr>
+        </p:nvSpPr>
+        <p:spPr/>
+      </p:sp>
+      <p:sp>
+        <p:nvSpPr>
+          <p:cNvPr id="3" name="Notes Placeholder 2"/>
+          <p:cNvSpPr>
+            <a:spLocks noGrp="1"/>
+          </p:cNvSpPr>
+          <p:nvPr>
+            <p:ph type="body" idx="1"/>
+          </p:nvPr>
+        </p:nvSpPr>
+        <p:spPr/>
+        <p:txBody>
+          <a:bodyPr/>
+          <a:lstStyle/>
+          <a:p>
+            <a:endParaRPr lang="en-US" dirty="0"/>
+          </a:p>
+        </p:txBody>
+      </p:sp>
+      <p:sp>
+        <p:nvSpPr>
+          <p:cNvPr id="4" name="Slide Number Placeholder 3"/>
+          <p:cNvSpPr>
+            <a:spLocks noGrp="1"/>
+          </p:cNvSpPr>
+          <p:nvPr>
+            <p:ph type="sldNum" sz="quarter" idx="10"/>
+          </p:nvPr>
+        </p:nvSpPr>
+        <p:spPr/>
+        <p:txBody>
+          <a:bodyPr/>
+          <a:lstStyle/>
+          <a:p>
+            <a:fld id="{BC60BE34-BC89-4C98-A56B-79B7A098D024}" type="slidenum">
+              <a:rPr lang="en-US" smtClean="0"/>
+              <a:t>8</a:t>
+            </a:fld>
+            <a:endParaRPr lang="en-US"/>
+          </a:p>
+        </p:txBody>
+      </p:sp>
+    </p:spTree>
+    <p:extLst>
+      <p:ext uri="{BB962C8B-B14F-4D97-AF65-F5344CB8AC3E}">
+        <p14:creationId xmlns:p14="http://schemas.microsoft.com/office/powerpoint/2010/main" val="623950281"/>
+      </p:ext>
+    </p:extLst>
+  </p:cSld>
+  <p:clrMapOvr>
+    <a:masterClrMapping/>
+  </p:clrMapOvr>
+</p:notes>
 </file>
 
 <file path=ppt/slideLayouts/slideLayout1.xml><?xml version="1.0" encoding="utf-8"?>
@@ -13915,7 +14108,7 @@
         <p:spPr>
           <a:xfrm>
             <a:off x="519250" y="4612344"/>
-            <a:ext cx="5455754" cy="738407"/>
+            <a:ext cx="5455754" cy="332270"/>
           </a:xfrm>
         </p:spPr>
         <p:txBody>
@@ -13924,15 +14117,13 @@
           <a:p>
             <a:r>
               <a:rPr lang="en-US" dirty="0" smtClean="0"/>
-              <a:t>Microsoft Research</a:t>
-            </a:r>
-          </a:p>
-          <a:p>
+              <a:t>Microsoft </a:t>
+            </a:r>
             <a:r>
               <a:rPr lang="en-US" dirty="0" smtClean="0"/>
-              <a:t>Windows Azure for Research Training</a:t>
-            </a:r>
-            <a:endParaRPr lang="en-US" dirty="0"/>
+              <a:t>Research</a:t>
+            </a:r>
+            <a:endParaRPr lang="en-US" dirty="0" smtClean="0"/>
           </a:p>
         </p:txBody>
       </p:sp>
@@ -13949,6 +14140,13 @@
   <p:transition>
     <p:fade/>
   </p:transition>
+  <p:timing>
+    <p:tnLst>
+      <p:par>
+        <p:cTn id="1" dur="indefinite" restart="never" nodeType="tmRoot"/>
+      </p:par>
+    </p:tnLst>
+  </p:timing>
 </p:sld>
 </file>
 
@@ -14038,7 +14236,7 @@
         <p:spPr>
           <a:xfrm>
             <a:off x="519248" y="1447800"/>
-            <a:ext cx="11151916" cy="1864613"/>
+            <a:ext cx="5587262" cy="4399922"/>
           </a:xfrm>
         </p:spPr>
         <p:txBody>
@@ -14047,45 +14245,99 @@
           <a:p>
             <a:r>
               <a:rPr lang="en-US" dirty="0" smtClean="0"/>
-              <a:t>Key learning objectives</a:t>
+              <a:t>Cloud service for building sophisticated ML models</a:t>
             </a:r>
           </a:p>
           <a:p>
             <a:pPr lvl="1"/>
             <a:r>
               <a:rPr lang="en-US" dirty="0" smtClean="0"/>
-              <a:t>Understand what </a:t>
-            </a:r>
-            <a:r>
-              <a:rPr lang="en-US" dirty="0"/>
-              <a:t>m</a:t>
-            </a:r>
-            <a:r>
-              <a:rPr lang="en-US" dirty="0" smtClean="0"/>
-              <a:t>achine learning is</a:t>
+              <a:t>Includes ML Studio for composing experiments</a:t>
             </a:r>
           </a:p>
           <a:p>
             <a:pPr lvl="1"/>
             <a:r>
               <a:rPr lang="en-US" dirty="0" smtClean="0"/>
-              <a:t>How to use Azure Machine Learning Studio</a:t>
+              <a:t>Includes supervised </a:t>
+            </a:r>
+            <a:r>
+              <a:rPr lang="en-US" dirty="0" err="1" smtClean="0"/>
+              <a:t>algos</a:t>
+            </a:r>
+            <a:r>
+              <a:rPr lang="en-US" dirty="0" smtClean="0"/>
+              <a:t> for classification, regression, and anomaly detection</a:t>
             </a:r>
           </a:p>
           <a:p>
             <a:pPr lvl="1"/>
             <a:r>
               <a:rPr lang="en-US" dirty="0" smtClean="0"/>
-              <a:t>Apply machine learning to solve a problem</a:t>
+              <a:t>Supports R, Python, </a:t>
+            </a:r>
+            <a:r>
+              <a:rPr lang="en-US" dirty="0" err="1" smtClean="0"/>
+              <a:t>OpenCV</a:t>
+            </a:r>
+            <a:r>
+              <a:rPr lang="en-US" dirty="0" smtClean="0"/>
+              <a:t>, and more</a:t>
+            </a:r>
+          </a:p>
+          <a:p>
+            <a:r>
+              <a:rPr lang="en-US" dirty="0" smtClean="0"/>
+              <a:t>Embodies years of research</a:t>
             </a:r>
             <a:endParaRPr lang="en-US" dirty="0"/>
           </a:p>
         </p:txBody>
       </p:sp>
+      <p:pic>
+        <p:nvPicPr>
+          <p:cNvPr id="4" name="Picture 3"/>
+          <p:cNvPicPr>
+            <a:picLocks noChangeAspect="1"/>
+          </p:cNvPicPr>
+          <p:nvPr/>
+        </p:nvPicPr>
+        <p:blipFill>
+          <a:blip r:embed="rId3">
+            <a:extLst>
+              <a:ext uri="{28A0092B-C50C-407E-A947-70E740481C1C}">
+                <a14:useLocalDpi xmlns:a14="http://schemas.microsoft.com/office/drawing/2010/main" val="0"/>
+              </a:ext>
+            </a:extLst>
+          </a:blip>
+          <a:stretch>
+            <a:fillRect/>
+          </a:stretch>
+        </p:blipFill>
+        <p:spPr>
+          <a:xfrm>
+            <a:off x="6558455" y="1447800"/>
+            <a:ext cx="4918842" cy="4296104"/>
+          </a:xfrm>
+          <a:prstGeom prst="rect">
+            <a:avLst/>
+          </a:prstGeom>
+          <a:ln>
+            <a:noFill/>
+          </a:ln>
+          <a:effectLst>
+            <a:outerShdw blurRad="292100" dist="139700" dir="2700000" algn="tl" rotWithShape="0">
+              <a:srgbClr val="333333">
+                <a:alpha val="65000"/>
+              </a:srgbClr>
+            </a:outerShdw>
+          </a:effectLst>
+        </p:spPr>
+      </p:pic>
     </p:spTree>
     <p:extLst>
       <p:ext uri="{BB962C8B-B14F-4D97-AF65-F5344CB8AC3E}">
-        <p14:creationId xmlns:p14="http://schemas.microsoft.com/office/powerpoint/2010/main" val="820921624"/>
+        <p14:creationId xmlns:p14="http://schemas.microsoft.com/office/powerpoint/2010/main" val="1281948001"/>
       </p:ext>
     </p:extLst>
   </p:cSld>
@@ -14095,6 +14347,13 @@
   <p:transition>
     <p:fade/>
   </p:transition>
+  <p:timing>
+    <p:tnLst>
+      <p:par>
+        <p:cTn id="1" dur="indefinite" restart="never" nodeType="tmRoot"/>
+      </p:par>
+    </p:tnLst>
+  </p:timing>
 </p:sld>
 </file>
 
@@ -14558,7 +14817,7 @@
 </file>
 
 <file path=ppt/slides/slide4.xml><?xml version="1.0" encoding="utf-8"?>
-<p:sld xmlns:a="http://schemas.openxmlformats.org/drawingml/2006/main" xmlns:r="http://schemas.openxmlformats.org/officeDocument/2006/relationships" xmlns:p="http://schemas.openxmlformats.org/presentationml/2006/main">
+<p:sld xmlns:a="http://schemas.openxmlformats.org/drawingml/2006/main" xmlns:r="http://schemas.openxmlformats.org/officeDocument/2006/relationships" xmlns:p="http://schemas.openxmlformats.org/presentationml/2006/main" show="0">
   <p:cSld>
     <p:spTree>
       <p:nvGrpSpPr>
@@ -14722,8 +14981,8 @@
         </p:nvSpPr>
         <p:spPr>
           <a:xfrm>
-            <a:off x="5603358" y="5501797"/>
-            <a:ext cx="1467293" cy="646331"/>
+            <a:off x="5520426" y="5724907"/>
+            <a:ext cx="1617249" cy="646331"/>
           </a:xfrm>
           <a:prstGeom prst="rect">
             <a:avLst/>
@@ -15964,30 +16223,6 @@
           </a:p>
         </p:txBody>
       </p:sp>
-      <p:pic>
-        <p:nvPicPr>
-          <p:cNvPr id="3" name="Picture 2"/>
-          <p:cNvPicPr>
-            <a:picLocks noChangeAspect="1"/>
-          </p:cNvPicPr>
-          <p:nvPr/>
-        </p:nvPicPr>
-        <p:blipFill>
-          <a:blip r:embed="rId2"/>
-          <a:stretch>
-            <a:fillRect/>
-          </a:stretch>
-        </p:blipFill>
-        <p:spPr>
-          <a:xfrm>
-            <a:off x="992981" y="1246375"/>
-            <a:ext cx="10206037" cy="4506920"/>
-          </a:xfrm>
-          <a:prstGeom prst="rect">
-            <a:avLst/>
-          </a:prstGeom>
-        </p:spPr>
-      </p:pic>
       <p:sp>
         <p:nvSpPr>
           <p:cNvPr id="4" name="TextBox 3"/>
@@ -16063,6 +16298,30 @@
           </a:p>
         </p:txBody>
       </p:sp>
+      <p:pic>
+        <p:nvPicPr>
+          <p:cNvPr id="5" name="Picture 4"/>
+          <p:cNvPicPr>
+            <a:picLocks noChangeAspect="1"/>
+          </p:cNvPicPr>
+          <p:nvPr/>
+        </p:nvPicPr>
+        <p:blipFill>
+          <a:blip r:embed="rId2"/>
+          <a:stretch>
+            <a:fillRect/>
+          </a:stretch>
+        </p:blipFill>
+        <p:spPr>
+          <a:xfrm>
+            <a:off x="990600" y="1176337"/>
+            <a:ext cx="10210800" cy="4505325"/>
+          </a:xfrm>
+          <a:prstGeom prst="rect">
+            <a:avLst/>
+          </a:prstGeom>
+        </p:spPr>
+      </p:pic>
     </p:spTree>
     <p:extLst>
       <p:ext uri="{BB962C8B-B14F-4D97-AF65-F5344CB8AC3E}">
@@ -16120,7 +16379,7 @@
           <a:p>
             <a:r>
               <a:rPr lang="en-US" dirty="0" smtClean="0"/>
-              <a:t>Samples of Algorithms Available</a:t>
+              <a:t>Azure ML Modules</a:t>
             </a:r>
             <a:endParaRPr lang="en-US" dirty="0"/>
           </a:p>
@@ -16128,18 +16387,18 @@
       </p:sp>
       <p:sp>
         <p:nvSpPr>
-          <p:cNvPr id="4" name="Content Placeholder 3"/>
+          <p:cNvPr id="3" name="Content Placeholder 2"/>
           <p:cNvSpPr>
             <a:spLocks noGrp="1"/>
           </p:cNvSpPr>
           <p:nvPr>
-            <p:ph sz="half" idx="2"/>
+            <p:ph idx="1"/>
           </p:nvPr>
         </p:nvSpPr>
         <p:spPr>
           <a:xfrm>
-            <a:off x="519249" y="1447800"/>
-            <a:ext cx="5486400" cy="4339650"/>
+            <a:off x="519247" y="1447800"/>
+            <a:ext cx="7300449" cy="4153829"/>
           </a:xfrm>
         </p:spPr>
         <p:txBody>
@@ -16147,377 +16406,100 @@
           <a:lstStyle/>
           <a:p>
             <a:r>
-              <a:rPr lang="en-US" sz="2000" dirty="0"/>
-              <a:t>Regression	</a:t>
-            </a:r>
-            <a:endParaRPr lang="en-US" sz="2000" dirty="0" smtClean="0"/>
+              <a:rPr lang="en-US" dirty="0" smtClean="0"/>
+              <a:t>The building blocks for workflow</a:t>
+            </a:r>
           </a:p>
           <a:p>
             <a:pPr lvl="1"/>
             <a:r>
-              <a:rPr lang="en-US" sz="2000" dirty="0" smtClean="0"/>
-              <a:t>Bayesian </a:t>
-            </a:r>
-            <a:r>
-              <a:rPr lang="en-US" sz="2000" dirty="0"/>
-              <a:t>Linear </a:t>
-            </a:r>
-            <a:r>
-              <a:rPr lang="en-US" sz="2000" dirty="0" smtClean="0"/>
-              <a:t>Regression</a:t>
+              <a:rPr lang="en-US" dirty="0" smtClean="0"/>
+              <a:t>Saved datasets and sample datasets</a:t>
             </a:r>
           </a:p>
           <a:p>
             <a:pPr lvl="1"/>
             <a:r>
-              <a:rPr lang="en-US" sz="2000" dirty="0" smtClean="0"/>
-              <a:t>Boosted </a:t>
-            </a:r>
-            <a:r>
-              <a:rPr lang="en-US" sz="2000" dirty="0"/>
-              <a:t>Decision Tree </a:t>
-            </a:r>
-            <a:r>
-              <a:rPr lang="en-US" sz="2000" dirty="0" smtClean="0"/>
-              <a:t>Regression</a:t>
+              <a:rPr lang="en-US" dirty="0" smtClean="0"/>
+              <a:t>Input, output, transform, filter, split, clean, and otherwise manipulate data</a:t>
             </a:r>
           </a:p>
           <a:p>
             <a:pPr lvl="1"/>
             <a:r>
-              <a:rPr lang="en-US" sz="2000" dirty="0" smtClean="0"/>
-              <a:t>Decision </a:t>
-            </a:r>
-            <a:r>
-              <a:rPr lang="en-US" sz="2000" dirty="0"/>
-              <a:t>Forest </a:t>
-            </a:r>
-            <a:r>
-              <a:rPr lang="en-US" sz="2000" dirty="0" smtClean="0"/>
-              <a:t>Regression</a:t>
+              <a:rPr lang="en-US" dirty="0" smtClean="0"/>
+              <a:t>Apply ML algorithms</a:t>
             </a:r>
           </a:p>
           <a:p>
             <a:pPr lvl="1"/>
             <a:r>
-              <a:rPr lang="en-US" sz="2000" dirty="0" smtClean="0"/>
-              <a:t>Fast Forest </a:t>
-            </a:r>
-            <a:r>
-              <a:rPr lang="en-US" sz="2000" dirty="0" err="1"/>
-              <a:t>Quantile</a:t>
-            </a:r>
-            <a:r>
-              <a:rPr lang="en-US" sz="2000" dirty="0"/>
-              <a:t> </a:t>
-            </a:r>
-            <a:r>
-              <a:rPr lang="en-US" sz="2000" dirty="0" smtClean="0"/>
-              <a:t>Regression</a:t>
+              <a:rPr lang="en-US" dirty="0" smtClean="0"/>
+              <a:t>Execute R and Python and much more</a:t>
             </a:r>
           </a:p>
           <a:p>
-            <a:pPr lvl="1"/>
-            <a:r>
-              <a:rPr lang="en-US" sz="2000" dirty="0" smtClean="0"/>
-              <a:t>Linear Regression</a:t>
-            </a:r>
-          </a:p>
-          <a:p>
-            <a:pPr lvl="1"/>
-            <a:r>
-              <a:rPr lang="en-US" sz="2000" dirty="0" smtClean="0"/>
-              <a:t>Neural </a:t>
-            </a:r>
-            <a:r>
-              <a:rPr lang="en-US" sz="2000" dirty="0"/>
-              <a:t>Network </a:t>
-            </a:r>
-            <a:r>
-              <a:rPr lang="en-US" sz="2000" dirty="0" smtClean="0"/>
-              <a:t>Regression</a:t>
-            </a:r>
-          </a:p>
-          <a:p>
-            <a:pPr lvl="1"/>
-            <a:r>
-              <a:rPr lang="en-US" sz="2000" dirty="0" smtClean="0"/>
-              <a:t>Ordinal Regression</a:t>
-            </a:r>
-          </a:p>
-          <a:p>
-            <a:pPr lvl="1"/>
-            <a:r>
-              <a:rPr lang="en-US" sz="2000" dirty="0" smtClean="0"/>
-              <a:t>Poisson Regression</a:t>
-            </a:r>
-          </a:p>
-          <a:p>
-            <a:r>
-              <a:rPr lang="en-US" sz="2000" dirty="0" smtClean="0"/>
-              <a:t>Evaluate</a:t>
-            </a:r>
-          </a:p>
-          <a:p>
-            <a:pPr lvl="1"/>
-            <a:r>
-              <a:rPr lang="en-US" sz="2000" dirty="0" smtClean="0"/>
-              <a:t>Cross </a:t>
-            </a:r>
-            <a:r>
-              <a:rPr lang="en-US" sz="2000" dirty="0"/>
-              <a:t>Validate </a:t>
-            </a:r>
-            <a:r>
-              <a:rPr lang="en-US" sz="2000" dirty="0" smtClean="0"/>
-              <a:t>Model</a:t>
-            </a:r>
-          </a:p>
-          <a:p>
-            <a:pPr lvl="1"/>
-            <a:r>
-              <a:rPr lang="en-US" sz="2000" dirty="0" smtClean="0"/>
-              <a:t>Evaluate Mode</a:t>
-            </a:r>
-          </a:p>
-          <a:p>
-            <a:pPr lvl="1"/>
-            <a:r>
-              <a:rPr lang="en-US" sz="2000" dirty="0" smtClean="0"/>
-              <a:t>Evaluate </a:t>
-            </a:r>
-            <a:r>
-              <a:rPr lang="en-US" sz="2000" dirty="0"/>
-              <a:t>Recommender</a:t>
-            </a:r>
+            <a:r>
+              <a:rPr lang="en-US" dirty="0"/>
+              <a:t>Complete </a:t>
+            </a:r>
+            <a:r>
+              <a:rPr lang="en-US" dirty="0" smtClean="0"/>
+              <a:t>list of 100+ modules at </a:t>
+            </a:r>
+            <a:r>
+              <a:rPr lang="en-US" dirty="0">
+                <a:hlinkClick r:id="rId2"/>
+              </a:rPr>
+              <a:t>https://</a:t>
+            </a:r>
+            <a:r>
+              <a:rPr lang="en-US" dirty="0" smtClean="0">
+                <a:hlinkClick r:id="rId2"/>
+              </a:rPr>
+              <a:t>msdn.microsoft.com/en-US/library/azure/dn906033.aspx</a:t>
+            </a:r>
+            <a:endParaRPr lang="en-US" dirty="0"/>
           </a:p>
         </p:txBody>
       </p:sp>
-      <p:sp>
-        <p:nvSpPr>
-          <p:cNvPr id="8" name="Content Placeholder 3"/>
-          <p:cNvSpPr>
-            <a:spLocks noGrp="1"/>
-          </p:cNvSpPr>
-          <p:nvPr>
-            <p:ph sz="half" idx="2"/>
-          </p:nvPr>
-        </p:nvSpPr>
+      <p:pic>
+        <p:nvPicPr>
+          <p:cNvPr id="5" name="Picture 4"/>
+          <p:cNvPicPr>
+            <a:picLocks noChangeAspect="1"/>
+          </p:cNvPicPr>
+          <p:nvPr/>
+        </p:nvPicPr>
+        <p:blipFill rotWithShape="1">
+          <a:blip r:embed="rId3"/>
+          <a:srcRect b="1818"/>
+          <a:stretch/>
+        </p:blipFill>
         <p:spPr>
           <a:xfrm>
-            <a:off x="6184766" y="1447800"/>
-            <a:ext cx="5486400" cy="5293757"/>
+            <a:off x="8276240" y="976500"/>
+            <a:ext cx="3295650" cy="5349240"/>
           </a:xfrm>
+          <a:prstGeom prst="rect">
+            <a:avLst/>
+          </a:prstGeom>
+          <a:ln>
+            <a:noFill/>
+          </a:ln>
+          <a:effectLst>
+            <a:outerShdw blurRad="292100" dist="139700" dir="2700000" algn="tl" rotWithShape="0">
+              <a:srgbClr val="333333">
+                <a:alpha val="65000"/>
+              </a:srgbClr>
+            </a:outerShdw>
+          </a:effectLst>
         </p:spPr>
-        <p:txBody>
-          <a:bodyPr/>
-          <a:lstStyle/>
-          <a:p>
-            <a:r>
-              <a:rPr lang="en-US" sz="2000" dirty="0" smtClean="0"/>
-              <a:t>Classification</a:t>
-            </a:r>
-          </a:p>
-          <a:p>
-            <a:pPr lvl="1"/>
-            <a:r>
-              <a:rPr lang="en-US" sz="2000" dirty="0"/>
-              <a:t>Multiclass Decision </a:t>
-            </a:r>
-            <a:r>
-              <a:rPr lang="en-US" sz="2000" dirty="0" smtClean="0"/>
-              <a:t>Forest</a:t>
-            </a:r>
-          </a:p>
-          <a:p>
-            <a:pPr lvl="1"/>
-            <a:r>
-              <a:rPr lang="en-US" sz="2000" dirty="0" smtClean="0"/>
-              <a:t>Multiclass </a:t>
-            </a:r>
-            <a:r>
-              <a:rPr lang="en-US" sz="2000" dirty="0"/>
-              <a:t>Decision </a:t>
-            </a:r>
-            <a:r>
-              <a:rPr lang="en-US" sz="2000" dirty="0" smtClean="0"/>
-              <a:t>Jungle</a:t>
-            </a:r>
-          </a:p>
-          <a:p>
-            <a:pPr lvl="1"/>
-            <a:r>
-              <a:rPr lang="en-US" sz="2000" dirty="0" smtClean="0"/>
-              <a:t>Multiclass </a:t>
-            </a:r>
-            <a:r>
-              <a:rPr lang="en-US" sz="2000" dirty="0"/>
-              <a:t>Logistic </a:t>
-            </a:r>
-            <a:r>
-              <a:rPr lang="en-US" sz="2000" dirty="0" smtClean="0"/>
-              <a:t>Regression</a:t>
-            </a:r>
-          </a:p>
-          <a:p>
-            <a:pPr lvl="1"/>
-            <a:r>
-              <a:rPr lang="en-US" sz="2000" dirty="0" smtClean="0"/>
-              <a:t>Multiclass </a:t>
-            </a:r>
-            <a:r>
-              <a:rPr lang="en-US" sz="2000" dirty="0"/>
-              <a:t>Neural </a:t>
-            </a:r>
-            <a:r>
-              <a:rPr lang="en-US" sz="2000" dirty="0" smtClean="0"/>
-              <a:t>Network</a:t>
-            </a:r>
-          </a:p>
-          <a:p>
-            <a:pPr lvl="1"/>
-            <a:r>
-              <a:rPr lang="en-US" sz="2000" dirty="0" smtClean="0"/>
-              <a:t>One-vs-All Multiclass</a:t>
-            </a:r>
-          </a:p>
-          <a:p>
-            <a:pPr lvl="1"/>
-            <a:r>
-              <a:rPr lang="en-US" sz="2000" dirty="0" smtClean="0"/>
-              <a:t>Two-Class </a:t>
-            </a:r>
-            <a:r>
-              <a:rPr lang="en-US" sz="2000" dirty="0"/>
-              <a:t>Average </a:t>
-            </a:r>
-            <a:r>
-              <a:rPr lang="en-US" sz="2000" dirty="0" smtClean="0"/>
-              <a:t>Perceptron</a:t>
-            </a:r>
-          </a:p>
-          <a:p>
-            <a:pPr lvl="1"/>
-            <a:r>
-              <a:rPr lang="en-US" sz="2000" dirty="0" smtClean="0"/>
-              <a:t>Two-Class </a:t>
-            </a:r>
-            <a:r>
-              <a:rPr lang="en-US" sz="2000" dirty="0"/>
-              <a:t>Bayes Point </a:t>
-            </a:r>
-            <a:r>
-              <a:rPr lang="en-US" sz="2000" dirty="0" smtClean="0"/>
-              <a:t>Machine</a:t>
-            </a:r>
-          </a:p>
-          <a:p>
-            <a:pPr lvl="1"/>
-            <a:r>
-              <a:rPr lang="en-US" sz="2000" dirty="0" smtClean="0"/>
-              <a:t>Two-Class </a:t>
-            </a:r>
-            <a:r>
-              <a:rPr lang="en-US" sz="2000" dirty="0"/>
-              <a:t>Boosted Decision </a:t>
-            </a:r>
-            <a:r>
-              <a:rPr lang="en-US" sz="2000" dirty="0" smtClean="0"/>
-              <a:t>Tree</a:t>
-            </a:r>
-          </a:p>
-          <a:p>
-            <a:pPr lvl="1"/>
-            <a:r>
-              <a:rPr lang="en-US" sz="2000" dirty="0" smtClean="0"/>
-              <a:t>Two-Class </a:t>
-            </a:r>
-            <a:r>
-              <a:rPr lang="en-US" sz="2000" dirty="0"/>
-              <a:t>Decision </a:t>
-            </a:r>
-            <a:r>
-              <a:rPr lang="en-US" sz="2000" dirty="0" smtClean="0"/>
-              <a:t>Forrest</a:t>
-            </a:r>
-          </a:p>
-          <a:p>
-            <a:pPr lvl="1"/>
-            <a:r>
-              <a:rPr lang="en-US" sz="2000" dirty="0" smtClean="0"/>
-              <a:t>Two-Class </a:t>
-            </a:r>
-            <a:r>
-              <a:rPr lang="en-US" sz="2000" dirty="0"/>
-              <a:t>Decision </a:t>
-            </a:r>
-            <a:r>
-              <a:rPr lang="en-US" sz="2000" dirty="0" smtClean="0"/>
-              <a:t>Jungle</a:t>
-            </a:r>
-          </a:p>
-          <a:p>
-            <a:pPr lvl="1"/>
-            <a:r>
-              <a:rPr lang="en-US" sz="2000" dirty="0" smtClean="0"/>
-              <a:t>Two-Class </a:t>
-            </a:r>
-            <a:r>
-              <a:rPr lang="en-US" sz="2000" dirty="0"/>
-              <a:t>Locally-Deep Support Vector </a:t>
-            </a:r>
-            <a:r>
-              <a:rPr lang="en-US" sz="2000" dirty="0" smtClean="0"/>
-              <a:t>Machine</a:t>
-            </a:r>
-          </a:p>
-          <a:p>
-            <a:pPr lvl="1"/>
-            <a:r>
-              <a:rPr lang="en-US" sz="2000" dirty="0" smtClean="0"/>
-              <a:t>Two-Class </a:t>
-            </a:r>
-            <a:r>
-              <a:rPr lang="en-US" sz="2000" dirty="0"/>
-              <a:t>Logistic </a:t>
-            </a:r>
-            <a:r>
-              <a:rPr lang="en-US" sz="2000" dirty="0" smtClean="0"/>
-              <a:t>Regression</a:t>
-            </a:r>
-          </a:p>
-          <a:p>
-            <a:pPr lvl="1"/>
-            <a:r>
-              <a:rPr lang="en-US" sz="2000" dirty="0" smtClean="0"/>
-              <a:t>Two-Class </a:t>
-            </a:r>
-            <a:r>
-              <a:rPr lang="en-US" sz="2000" dirty="0"/>
-              <a:t>Neural </a:t>
-            </a:r>
-            <a:r>
-              <a:rPr lang="en-US" sz="2000" dirty="0" smtClean="0"/>
-              <a:t>Network</a:t>
-            </a:r>
-          </a:p>
-          <a:p>
-            <a:pPr lvl="1"/>
-            <a:r>
-              <a:rPr lang="en-US" sz="2000" dirty="0" smtClean="0"/>
-              <a:t>Two-Class </a:t>
-            </a:r>
-            <a:r>
-              <a:rPr lang="en-US" sz="2000" dirty="0"/>
-              <a:t>Support Vector Machine</a:t>
-            </a:r>
-          </a:p>
-        </p:txBody>
-      </p:sp>
+      </p:pic>
     </p:spTree>
     <p:extLst>
       <p:ext uri="{BB962C8B-B14F-4D97-AF65-F5344CB8AC3E}">
-        <p14:creationId xmlns:p14="http://schemas.microsoft.com/office/powerpoint/2010/main" val="1744250625"/>
+        <p14:creationId xmlns:p14="http://schemas.microsoft.com/office/powerpoint/2010/main" val="3207799509"/>
       </p:ext>
     </p:extLst>
   </p:cSld>
@@ -16527,13 +16509,6 @@
   <p:transition>
     <p:fade/>
   </p:transition>
-  <p:timing>
-    <p:tnLst>
-      <p:par>
-        <p:cTn id="1" dur="indefinite" restart="never" nodeType="tmRoot"/>
-      </p:par>
-    </p:tnLst>
-  </p:timing>
 </p:sld>
 </file>
 
@@ -16571,290 +16546,150 @@
           <a:p>
             <a:r>
               <a:rPr lang="en-US" dirty="0" smtClean="0"/>
-              <a:t>Modules and Analysis </a:t>
-            </a:r>
-            <a:r>
-              <a:rPr lang="en-US" dirty="0" err="1" smtClean="0"/>
-              <a:t>Availible</a:t>
+              <a:t>Azure ML Algorithms</a:t>
             </a:r>
             <a:endParaRPr lang="en-US" dirty="0"/>
           </a:p>
         </p:txBody>
       </p:sp>
-      <p:sp>
-        <p:nvSpPr>
-          <p:cNvPr id="4" name="Content Placeholder 3"/>
-          <p:cNvSpPr>
-            <a:spLocks noGrp="1"/>
-          </p:cNvSpPr>
-          <p:nvPr>
-            <p:ph sz="half" idx="2"/>
-          </p:nvPr>
-        </p:nvSpPr>
+      <p:pic>
+        <p:nvPicPr>
+          <p:cNvPr id="11" name="Picture 10"/>
+          <p:cNvPicPr>
+            <a:picLocks noChangeAspect="1"/>
+          </p:cNvPicPr>
+          <p:nvPr/>
+        </p:nvPicPr>
+        <p:blipFill rotWithShape="1">
+          <a:blip r:embed="rId2"/>
+          <a:srcRect b="8857"/>
+          <a:stretch/>
+        </p:blipFill>
         <p:spPr>
           <a:xfrm>
-            <a:off x="519249" y="1447800"/>
-            <a:ext cx="5486400" cy="4339650"/>
+            <a:off x="9063981" y="1207727"/>
+            <a:ext cx="2570436" cy="3794760"/>
           </a:xfrm>
+          <a:prstGeom prst="rect">
+            <a:avLst/>
+          </a:prstGeom>
+          <a:ln>
+            <a:noFill/>
+          </a:ln>
+          <a:effectLst>
+            <a:outerShdw blurRad="292100" dist="139700" dir="2700000" algn="tl" rotWithShape="0">
+              <a:srgbClr val="333333">
+                <a:alpha val="65000"/>
+              </a:srgbClr>
+            </a:outerShdw>
+          </a:effectLst>
         </p:spPr>
-        <p:txBody>
-          <a:bodyPr/>
-          <a:lstStyle/>
-          <a:p>
-            <a:r>
-              <a:rPr lang="en-US" sz="2000" dirty="0" err="1" smtClean="0"/>
-              <a:t>OpenCV</a:t>
-            </a:r>
-            <a:r>
-              <a:rPr lang="en-US" sz="2000" dirty="0" smtClean="0"/>
-              <a:t> </a:t>
-            </a:r>
-            <a:r>
-              <a:rPr lang="en-US" sz="2000" dirty="0"/>
-              <a:t>Library </a:t>
-            </a:r>
-            <a:r>
-              <a:rPr lang="en-US" sz="2000" dirty="0" smtClean="0"/>
-              <a:t>Modules</a:t>
-            </a:r>
-          </a:p>
-          <a:p>
-            <a:pPr lvl="1"/>
-            <a:r>
-              <a:rPr lang="en-US" sz="2000" dirty="0" smtClean="0"/>
-              <a:t>Image Reader</a:t>
-            </a:r>
-          </a:p>
-          <a:p>
-            <a:pPr lvl="1"/>
-            <a:r>
-              <a:rPr lang="en-US" sz="2000" dirty="0" smtClean="0"/>
-              <a:t>Pre-trained </a:t>
-            </a:r>
-            <a:r>
-              <a:rPr lang="en-US" sz="2000" dirty="0"/>
-              <a:t>Cascade </a:t>
-            </a:r>
-            <a:r>
-              <a:rPr lang="en-US" sz="2000" dirty="0" smtClean="0"/>
-              <a:t>Image Classification</a:t>
-            </a:r>
-          </a:p>
-          <a:p>
-            <a:r>
-              <a:rPr lang="en-US" sz="2000" dirty="0" smtClean="0"/>
-              <a:t>Python </a:t>
-            </a:r>
-            <a:r>
-              <a:rPr lang="en-US" sz="2000" dirty="0"/>
-              <a:t>Language </a:t>
-            </a:r>
-            <a:r>
-              <a:rPr lang="en-US" sz="2000" dirty="0" smtClean="0"/>
-              <a:t>Modules</a:t>
-            </a:r>
-          </a:p>
-          <a:p>
-            <a:pPr lvl="1"/>
-            <a:r>
-              <a:rPr lang="en-US" sz="2000" dirty="0" smtClean="0"/>
-              <a:t>Execute </a:t>
-            </a:r>
-            <a:r>
-              <a:rPr lang="en-US" sz="2000" dirty="0"/>
-              <a:t>Python </a:t>
-            </a:r>
-            <a:r>
-              <a:rPr lang="en-US" sz="2000" dirty="0" smtClean="0"/>
-              <a:t>Script</a:t>
-            </a:r>
-          </a:p>
-          <a:p>
-            <a:r>
-              <a:rPr lang="en-US" sz="2000" dirty="0" smtClean="0"/>
-              <a:t>R </a:t>
-            </a:r>
-            <a:r>
-              <a:rPr lang="en-US" sz="2000" dirty="0"/>
-              <a:t>Language </a:t>
-            </a:r>
-            <a:r>
-              <a:rPr lang="en-US" sz="2000" dirty="0" smtClean="0"/>
-              <a:t>Modules</a:t>
-            </a:r>
-          </a:p>
-          <a:p>
-            <a:pPr lvl="1"/>
-            <a:r>
-              <a:rPr lang="en-US" sz="2000" dirty="0" smtClean="0"/>
-              <a:t>Create </a:t>
-            </a:r>
-            <a:r>
-              <a:rPr lang="en-US" sz="2000" dirty="0"/>
-              <a:t>R </a:t>
-            </a:r>
-            <a:r>
-              <a:rPr lang="en-US" sz="2000" dirty="0" smtClean="0"/>
-              <a:t>Model</a:t>
-            </a:r>
-          </a:p>
-          <a:p>
-            <a:pPr lvl="1"/>
-            <a:r>
-              <a:rPr lang="en-US" sz="2000" dirty="0" smtClean="0"/>
-              <a:t>Execute </a:t>
-            </a:r>
-            <a:r>
-              <a:rPr lang="en-US" sz="2000" dirty="0"/>
-              <a:t>R </a:t>
-            </a:r>
-            <a:r>
-              <a:rPr lang="en-US" sz="2000" dirty="0" smtClean="0"/>
-              <a:t>Script</a:t>
-            </a:r>
-          </a:p>
-          <a:p>
-            <a:r>
-              <a:rPr lang="en-US" sz="2000" dirty="0" smtClean="0"/>
-              <a:t>Text Analysis</a:t>
-            </a:r>
-          </a:p>
-          <a:p>
-            <a:pPr lvl="1"/>
-            <a:r>
-              <a:rPr lang="en-US" sz="2000" dirty="0" smtClean="0"/>
-              <a:t>Feature Hashing</a:t>
-            </a:r>
-          </a:p>
-          <a:p>
-            <a:pPr lvl="1"/>
-            <a:r>
-              <a:rPr lang="en-US" sz="2000" dirty="0" smtClean="0"/>
-              <a:t>Named Entity Recognition</a:t>
-            </a:r>
-          </a:p>
-          <a:p>
-            <a:pPr lvl="1"/>
-            <a:r>
-              <a:rPr lang="en-US" sz="2000" dirty="0" err="1" smtClean="0"/>
-              <a:t>Vowpal</a:t>
-            </a:r>
-            <a:r>
-              <a:rPr lang="en-US" sz="2000" dirty="0" smtClean="0"/>
-              <a:t> </a:t>
-            </a:r>
-            <a:r>
-              <a:rPr lang="en-US" sz="2000" dirty="0" err="1" smtClean="0"/>
-              <a:t>Wabbit</a:t>
-            </a:r>
-            <a:r>
-              <a:rPr lang="en-US" sz="2000" dirty="0" smtClean="0"/>
-              <a:t> Score</a:t>
-            </a:r>
-          </a:p>
-          <a:p>
-            <a:pPr lvl="1"/>
-            <a:r>
-              <a:rPr lang="en-US" sz="2000" dirty="0" err="1" smtClean="0"/>
-              <a:t>Vowpal</a:t>
-            </a:r>
-            <a:r>
-              <a:rPr lang="en-US" sz="2000" dirty="0" smtClean="0"/>
-              <a:t> </a:t>
-            </a:r>
-            <a:r>
-              <a:rPr lang="en-US" sz="2000" dirty="0" err="1" smtClean="0"/>
-              <a:t>Wabbit</a:t>
-            </a:r>
-            <a:r>
-              <a:rPr lang="en-US" sz="2000" dirty="0" smtClean="0"/>
-              <a:t> Train</a:t>
-            </a:r>
-            <a:endParaRPr lang="en-US" sz="2000" dirty="0"/>
-          </a:p>
-        </p:txBody>
-      </p:sp>
-      <p:sp>
-        <p:nvSpPr>
-          <p:cNvPr id="8" name="Content Placeholder 3"/>
-          <p:cNvSpPr>
-            <a:spLocks noGrp="1"/>
-          </p:cNvSpPr>
-          <p:nvPr>
-            <p:ph sz="half" idx="2"/>
-          </p:nvPr>
-        </p:nvSpPr>
+      </p:pic>
+      <p:pic>
+        <p:nvPicPr>
+          <p:cNvPr id="5" name="Picture 4"/>
+          <p:cNvPicPr>
+            <a:picLocks noChangeAspect="1"/>
+          </p:cNvPicPr>
+          <p:nvPr/>
+        </p:nvPicPr>
+        <p:blipFill rotWithShape="1">
+          <a:blip r:embed="rId3"/>
+          <a:srcRect b="14976"/>
+          <a:stretch/>
+        </p:blipFill>
         <p:spPr>
           <a:xfrm>
-            <a:off x="6184766" y="1447800"/>
-            <a:ext cx="5486400" cy="2646878"/>
+            <a:off x="519250" y="1207727"/>
+            <a:ext cx="2570436" cy="2103120"/>
           </a:xfrm>
+          <a:prstGeom prst="rect">
+            <a:avLst/>
+          </a:prstGeom>
+          <a:ln>
+            <a:noFill/>
+          </a:ln>
+          <a:effectLst>
+            <a:outerShdw blurRad="292100" dist="139700" dir="2700000" algn="tl" rotWithShape="0">
+              <a:srgbClr val="333333">
+                <a:alpha val="65000"/>
+              </a:srgbClr>
+            </a:outerShdw>
+          </a:effectLst>
         </p:spPr>
-        <p:txBody>
-          <a:bodyPr/>
-          <a:lstStyle/>
-          <a:p>
-            <a:r>
-              <a:rPr lang="en-US" sz="2000" dirty="0" smtClean="0"/>
-              <a:t>Statistical Functions</a:t>
-            </a:r>
-          </a:p>
-          <a:p>
-            <a:pPr lvl="1"/>
-            <a:r>
-              <a:rPr lang="en-US" sz="2000" dirty="0" smtClean="0"/>
-              <a:t>Apply Math Operation</a:t>
-            </a:r>
-          </a:p>
-          <a:p>
-            <a:pPr lvl="1"/>
-            <a:r>
-              <a:rPr lang="en-US" sz="2000" dirty="0" smtClean="0"/>
-              <a:t>Descriptive Statistics</a:t>
-            </a:r>
-          </a:p>
-          <a:p>
-            <a:pPr lvl="1"/>
-            <a:r>
-              <a:rPr lang="en-US" sz="2000" dirty="0" smtClean="0"/>
-              <a:t>Elementary Statistics</a:t>
-            </a:r>
-          </a:p>
-          <a:p>
-            <a:pPr lvl="1"/>
-            <a:r>
-              <a:rPr lang="en-US" sz="2000" dirty="0" smtClean="0"/>
-              <a:t>Hypothesis Testing T-Test</a:t>
-            </a:r>
-          </a:p>
-          <a:p>
-            <a:pPr lvl="1"/>
-            <a:r>
-              <a:rPr lang="en-US" sz="2000" dirty="0" smtClean="0"/>
-              <a:t>Linear Correlation</a:t>
-            </a:r>
-          </a:p>
-          <a:p>
-            <a:pPr lvl="1"/>
-            <a:r>
-              <a:rPr lang="en-US" sz="2000" dirty="0" smtClean="0"/>
-              <a:t>Probability Function Evaluation</a:t>
-            </a:r>
-          </a:p>
-          <a:p>
-            <a:pPr lvl="1"/>
-            <a:r>
-              <a:rPr lang="en-US" sz="2000" dirty="0" smtClean="0"/>
-              <a:t>Replace Discrete Values</a:t>
-            </a:r>
-            <a:endParaRPr lang="en-US" sz="2000" dirty="0"/>
-          </a:p>
-        </p:txBody>
-      </p:sp>
+      </p:pic>
+      <p:pic>
+        <p:nvPicPr>
+          <p:cNvPr id="6" name="Picture 5"/>
+          <p:cNvPicPr>
+            <a:picLocks noChangeAspect="1"/>
+          </p:cNvPicPr>
+          <p:nvPr/>
+        </p:nvPicPr>
+        <p:blipFill>
+          <a:blip r:embed="rId4"/>
+          <a:stretch>
+            <a:fillRect/>
+          </a:stretch>
+        </p:blipFill>
+        <p:spPr>
+          <a:xfrm>
+            <a:off x="3360613" y="1207727"/>
+            <a:ext cx="2574598" cy="5373411"/>
+          </a:xfrm>
+          <a:prstGeom prst="rect">
+            <a:avLst/>
+          </a:prstGeom>
+          <a:ln>
+            <a:noFill/>
+          </a:ln>
+          <a:effectLst>
+            <a:outerShdw blurRad="292100" dist="139700" dir="2700000" algn="tl" rotWithShape="0">
+              <a:srgbClr val="333333">
+                <a:alpha val="65000"/>
+              </a:srgbClr>
+            </a:outerShdw>
+          </a:effectLst>
+        </p:spPr>
+      </p:pic>
+      <p:pic>
+        <p:nvPicPr>
+          <p:cNvPr id="7" name="Picture 6"/>
+          <p:cNvPicPr>
+            <a:picLocks noChangeAspect="1"/>
+          </p:cNvPicPr>
+          <p:nvPr/>
+        </p:nvPicPr>
+        <p:blipFill>
+          <a:blip r:embed="rId5"/>
+          <a:stretch>
+            <a:fillRect/>
+          </a:stretch>
+        </p:blipFill>
+        <p:spPr>
+          <a:xfrm>
+            <a:off x="6206139" y="1207727"/>
+            <a:ext cx="2586914" cy="1814589"/>
+          </a:xfrm>
+          <a:prstGeom prst="rect">
+            <a:avLst/>
+          </a:prstGeom>
+          <a:ln>
+            <a:noFill/>
+          </a:ln>
+          <a:effectLst>
+            <a:outerShdw blurRad="292100" dist="139700" dir="2700000" algn="tl" rotWithShape="0">
+              <a:srgbClr val="333333">
+                <a:alpha val="65000"/>
+              </a:srgbClr>
+            </a:outerShdw>
+          </a:effectLst>
+        </p:spPr>
+      </p:pic>
     </p:spTree>
     <p:extLst>
       <p:ext uri="{BB962C8B-B14F-4D97-AF65-F5344CB8AC3E}">
-        <p14:creationId xmlns:p14="http://schemas.microsoft.com/office/powerpoint/2010/main" val="1947288528"/>
+        <p14:creationId xmlns:p14="http://schemas.microsoft.com/office/powerpoint/2010/main" val="344165650"/>
       </p:ext>
     </p:extLst>
   </p:cSld>
@@ -16884,6 +16719,30 @@
           <a:chExt cx="0" cy="0"/>
         </a:xfrm>
       </p:grpSpPr>
+      <p:pic>
+        <p:nvPicPr>
+          <p:cNvPr id="5" name="Picture 4"/>
+          <p:cNvPicPr>
+            <a:picLocks noChangeAspect="1"/>
+          </p:cNvPicPr>
+          <p:nvPr/>
+        </p:nvPicPr>
+        <p:blipFill>
+          <a:blip r:embed="rId3"/>
+          <a:stretch>
+            <a:fillRect/>
+          </a:stretch>
+        </p:blipFill>
+        <p:spPr>
+          <a:xfrm>
+            <a:off x="0" y="0"/>
+            <a:ext cx="10604938" cy="6859501"/>
+          </a:xfrm>
+          <a:prstGeom prst="rect">
+            <a:avLst/>
+          </a:prstGeom>
+        </p:spPr>
+      </p:pic>
       <p:sp>
         <p:nvSpPr>
           <p:cNvPr id="2" name="Title 1"/>
@@ -16894,63 +16753,41 @@
             <p:ph type="title"/>
           </p:nvPr>
         </p:nvSpPr>
-        <p:spPr/>
+        <p:spPr>
+          <a:xfrm rot="16200000">
+            <a:off x="7965374" y="3152001"/>
+            <a:ext cx="6858000" cy="553998"/>
+          </a:xfrm>
+        </p:spPr>
         <p:txBody>
           <a:bodyPr/>
           <a:lstStyle/>
           <a:p>
-            <a:r>
-              <a:rPr lang="en-US" dirty="0" smtClean="0"/>
+            <a:pPr algn="ctr"/>
+            <a:r>
+              <a:rPr lang="en-US" sz="4000" dirty="0" smtClean="0"/>
               <a:t>http://</a:t>
             </a:r>
             <a:r>
-              <a:rPr lang="en-US" dirty="0" err="1" smtClean="0"/>
+              <a:rPr lang="en-US" sz="4000" dirty="0" err="1" smtClean="0"/>
               <a:t>aka.ms</a:t>
             </a:r>
             <a:r>
-              <a:rPr lang="en-US" dirty="0" smtClean="0"/>
+              <a:rPr lang="en-US" sz="4000" dirty="0" smtClean="0"/>
               <a:t>/</a:t>
             </a:r>
             <a:r>
-              <a:rPr lang="en-US" dirty="0" err="1" smtClean="0"/>
+              <a:rPr lang="en-US" sz="4000" dirty="0" err="1" smtClean="0"/>
               <a:t>MLCheatSheet</a:t>
             </a:r>
-            <a:endParaRPr lang="en-US" dirty="0"/>
+            <a:endParaRPr lang="en-US" sz="4000" dirty="0"/>
           </a:p>
         </p:txBody>
       </p:sp>
-      <p:pic>
-        <p:nvPicPr>
-          <p:cNvPr id="3" name="Picture 2"/>
-          <p:cNvPicPr>
-            <a:picLocks noChangeAspect="1"/>
-          </p:cNvPicPr>
-          <p:nvPr/>
-        </p:nvPicPr>
-        <p:blipFill>
-          <a:blip r:embed="rId2"/>
-          <a:stretch>
-            <a:fillRect/>
-          </a:stretch>
-        </p:blipFill>
-        <p:spPr>
-          <a:xfrm>
-            <a:off x="1980711" y="976500"/>
-            <a:ext cx="8228992" cy="5324948"/>
-          </a:xfrm>
-          <a:prstGeom prst="rect">
-            <a:avLst/>
-          </a:prstGeom>
-          <a:noFill/>
-          <a:ln>
-            <a:noFill/>
-          </a:ln>
-        </p:spPr>
-      </p:pic>
     </p:spTree>
     <p:extLst>
       <p:ext uri="{BB962C8B-B14F-4D97-AF65-F5344CB8AC3E}">
-        <p14:creationId xmlns:p14="http://schemas.microsoft.com/office/powerpoint/2010/main" val="1923423601"/>
+        <p14:creationId xmlns:p14="http://schemas.microsoft.com/office/powerpoint/2010/main" val="857841679"/>
       </p:ext>
     </p:extLst>
   </p:cSld>
@@ -16960,6 +16797,13 @@
   <p:transition>
     <p:fade/>
   </p:transition>
+  <p:timing>
+    <p:tnLst>
+      <p:par>
+        <p:cTn id="1" dur="indefinite" restart="never" nodeType="tmRoot"/>
+      </p:par>
+    </p:tnLst>
+  </p:timing>
 </p:sld>
 </file>
 
@@ -17019,8 +16863,8 @@
           <a:lstStyle/>
           <a:p>
             <a:r>
-              <a:rPr lang="en-US" dirty="0" err="1" smtClean="0"/>
-              <a:t>MachineLearningHOL.pdf</a:t>
+              <a:rPr lang="en-US" dirty="0" smtClean="0"/>
+              <a:t>MachineLearningHOL.html</a:t>
             </a:r>
             <a:endParaRPr lang="en-US" dirty="0"/>
           </a:p>
@@ -17062,6 +16906,13 @@
   <p:transition>
     <p:fade/>
   </p:transition>
+  <p:timing>
+    <p:tnLst>
+      <p:par>
+        <p:cTn id="1" dur="indefinite" restart="never" nodeType="tmRoot"/>
+      </p:par>
+    </p:tnLst>
+  </p:timing>
 </p:sld>
 </file>
 
